--- a/ai-agents-conf42.pptx
+++ b/ai-agents-conf42.pptx
@@ -5,8 +5,15 @@
     <p:sldMasterId id="2147483648" r:id="rId1"/>
   </p:sldMasterIdLst>
   <p:sldIdLst>
-    <p:sldId id="264" r:id="rId2"/>
-    <p:sldId id="265" r:id="rId3"/>
+    <p:sldId id="266" r:id="rId2"/>
+    <p:sldId id="273" r:id="rId3"/>
+    <p:sldId id="272" r:id="rId4"/>
+    <p:sldId id="271" r:id="rId5"/>
+    <p:sldId id="265" r:id="rId6"/>
+    <p:sldId id="267" r:id="rId7"/>
+    <p:sldId id="268" r:id="rId8"/>
+    <p:sldId id="269" r:id="rId9"/>
+    <p:sldId id="270" r:id="rId10"/>
   </p:sldIdLst>
   <p:sldSz cx="12192000" cy="6858000"/>
   <p:notesSz cx="6858000" cy="9144000"/>
@@ -262,7 +269,7 @@
           <a:p>
             <a:fld id="{9F984A1A-F576-403E-81D7-74E1235F9109}" type="datetimeFigureOut">
               <a:rPr lang="en-GB" smtClean="0"/>
-              <a:t>10/01/2025</a:t>
+              <a:t>12/01/2025</a:t>
             </a:fld>
             <a:endParaRPr lang="en-GB"/>
           </a:p>
@@ -462,7 +469,7 @@
           <a:p>
             <a:fld id="{9F984A1A-F576-403E-81D7-74E1235F9109}" type="datetimeFigureOut">
               <a:rPr lang="en-GB" smtClean="0"/>
-              <a:t>10/01/2025</a:t>
+              <a:t>12/01/2025</a:t>
             </a:fld>
             <a:endParaRPr lang="en-GB"/>
           </a:p>
@@ -672,7 +679,7 @@
           <a:p>
             <a:fld id="{9F984A1A-F576-403E-81D7-74E1235F9109}" type="datetimeFigureOut">
               <a:rPr lang="en-GB" smtClean="0"/>
-              <a:t>10/01/2025</a:t>
+              <a:t>12/01/2025</a:t>
             </a:fld>
             <a:endParaRPr lang="en-GB"/>
           </a:p>
@@ -872,7 +879,7 @@
           <a:p>
             <a:fld id="{9F984A1A-F576-403E-81D7-74E1235F9109}" type="datetimeFigureOut">
               <a:rPr lang="en-GB" smtClean="0"/>
-              <a:t>10/01/2025</a:t>
+              <a:t>12/01/2025</a:t>
             </a:fld>
             <a:endParaRPr lang="en-GB"/>
           </a:p>
@@ -1148,7 +1155,7 @@
           <a:p>
             <a:fld id="{9F984A1A-F576-403E-81D7-74E1235F9109}" type="datetimeFigureOut">
               <a:rPr lang="en-GB" smtClean="0"/>
-              <a:t>10/01/2025</a:t>
+              <a:t>12/01/2025</a:t>
             </a:fld>
             <a:endParaRPr lang="en-GB"/>
           </a:p>
@@ -1416,7 +1423,7 @@
           <a:p>
             <a:fld id="{9F984A1A-F576-403E-81D7-74E1235F9109}" type="datetimeFigureOut">
               <a:rPr lang="en-GB" smtClean="0"/>
-              <a:t>10/01/2025</a:t>
+              <a:t>12/01/2025</a:t>
             </a:fld>
             <a:endParaRPr lang="en-GB"/>
           </a:p>
@@ -1831,7 +1838,7 @@
           <a:p>
             <a:fld id="{9F984A1A-F576-403E-81D7-74E1235F9109}" type="datetimeFigureOut">
               <a:rPr lang="en-GB" smtClean="0"/>
-              <a:t>10/01/2025</a:t>
+              <a:t>12/01/2025</a:t>
             </a:fld>
             <a:endParaRPr lang="en-GB"/>
           </a:p>
@@ -1973,7 +1980,7 @@
           <a:p>
             <a:fld id="{9F984A1A-F576-403E-81D7-74E1235F9109}" type="datetimeFigureOut">
               <a:rPr lang="en-GB" smtClean="0"/>
-              <a:t>10/01/2025</a:t>
+              <a:t>12/01/2025</a:t>
             </a:fld>
             <a:endParaRPr lang="en-GB"/>
           </a:p>
@@ -2086,7 +2093,7 @@
           <a:p>
             <a:fld id="{9F984A1A-F576-403E-81D7-74E1235F9109}" type="datetimeFigureOut">
               <a:rPr lang="en-GB" smtClean="0"/>
-              <a:t>10/01/2025</a:t>
+              <a:t>12/01/2025</a:t>
             </a:fld>
             <a:endParaRPr lang="en-GB"/>
           </a:p>
@@ -2399,7 +2406,7 @@
           <a:p>
             <a:fld id="{9F984A1A-F576-403E-81D7-74E1235F9109}" type="datetimeFigureOut">
               <a:rPr lang="en-GB" smtClean="0"/>
-              <a:t>10/01/2025</a:t>
+              <a:t>12/01/2025</a:t>
             </a:fld>
             <a:endParaRPr lang="en-GB"/>
           </a:p>
@@ -2688,7 +2695,7 @@
           <a:p>
             <a:fld id="{9F984A1A-F576-403E-81D7-74E1235F9109}" type="datetimeFigureOut">
               <a:rPr lang="en-GB" smtClean="0"/>
-              <a:t>10/01/2025</a:t>
+              <a:t>12/01/2025</a:t>
             </a:fld>
             <a:endParaRPr lang="en-GB"/>
           </a:p>
@@ -2931,7 +2938,7 @@
           <a:p>
             <a:fld id="{9F984A1A-F576-403E-81D7-74E1235F9109}" type="datetimeFigureOut">
               <a:rPr lang="en-GB" smtClean="0"/>
-              <a:t>10/01/2025</a:t>
+              <a:t>12/01/2025</a:t>
             </a:fld>
             <a:endParaRPr lang="en-GB"/>
           </a:p>
@@ -3350,7 +3357,7 @@
         <p:cNvPr id="1" name="">
           <a:extLst>
             <a:ext uri="{FF2B5EF4-FFF2-40B4-BE49-F238E27FC236}">
-              <a16:creationId xmlns:a16="http://schemas.microsoft.com/office/drawing/2014/main" id="{6CD054EC-C921-FB65-031A-6763C387BF86}"/>
+              <a16:creationId xmlns:a16="http://schemas.microsoft.com/office/drawing/2014/main" id="{E1A7BE3A-65B8-B231-93C7-FF71B2EE067B}"/>
             </a:ext>
           </a:extLst>
         </p:cNvPr>
@@ -3370,7 +3377,7 @@
           <p:cNvPr id="3" name="Subtitle 2">
             <a:extLst>
               <a:ext uri="{FF2B5EF4-FFF2-40B4-BE49-F238E27FC236}">
-                <a16:creationId xmlns:a16="http://schemas.microsoft.com/office/drawing/2014/main" id="{39C024C6-01C7-CAE3-0279-636137FD8886}"/>
+                <a16:creationId xmlns:a16="http://schemas.microsoft.com/office/drawing/2014/main" id="{6403234F-5F47-255B-9628-F8292FAC5636}"/>
               </a:ext>
             </a:extLst>
           </p:cNvPr>
@@ -3400,12 +3407,15 @@
               <a:buFont typeface="Arial" panose="020B0604020202020204" pitchFamily="34" charset="0"/>
               <a:buChar char="•"/>
             </a:pPr>
-            <a:endParaRPr lang="en-GB" sz="2800" dirty="0">
-              <a:solidFill>
-                <a:schemeClr val="bg1"/>
-              </a:solidFill>
-              <a:latin typeface="Avenir Next LT Pro" panose="020B0504020202020204" pitchFamily="34" charset="0"/>
-            </a:endParaRPr>
+            <a:r>
+              <a:rPr lang="en-GB" sz="2800" dirty="0">
+                <a:solidFill>
+                  <a:schemeClr val="bg1"/>
+                </a:solidFill>
+                <a:latin typeface="Avenir Next LT Pro" panose="020B0504020202020204" pitchFamily="34" charset="0"/>
+              </a:rPr>
+              <a:t>Demystify</a:t>
+            </a:r>
           </a:p>
           <a:p>
             <a:pPr marL="457200" indent="-457200" algn="l">
@@ -3422,7 +3432,7 @@
                 </a:solidFill>
                 <a:latin typeface="Avenir Next LT Pro" panose="020B0504020202020204" pitchFamily="34" charset="0"/>
               </a:rPr>
-              <a:t>Craig West</a:t>
+              <a:t>A bit of AI</a:t>
             </a:r>
           </a:p>
           <a:p>
@@ -3440,7 +3450,7 @@
                 </a:solidFill>
                 <a:latin typeface="Avenir Next LT Pro" panose="020B0504020202020204" pitchFamily="34" charset="0"/>
               </a:rPr>
-              <a:t>Brighton based AI Developer</a:t>
+              <a:t>Basic implementations</a:t>
             </a:r>
           </a:p>
           <a:p>
@@ -3458,7 +3468,7 @@
                 </a:solidFill>
                 <a:latin typeface="Avenir Next LT Pro" panose="020B0504020202020204" pitchFamily="34" charset="0"/>
               </a:rPr>
-              <a:t>All slides and code available at:</a:t>
+              <a:t>Libraries</a:t>
             </a:r>
           </a:p>
           <a:p>
@@ -3476,7 +3486,7 @@
                 </a:solidFill>
                 <a:latin typeface="Avenir Next LT Pro" panose="020B0504020202020204" pitchFamily="34" charset="0"/>
               </a:rPr>
-              <a:t>https://pytest-cookbook.com/</a:t>
+              <a:t>Frameworks</a:t>
             </a:r>
           </a:p>
         </p:txBody>
@@ -3486,7 +3496,7 @@
           <p:cNvPr id="4" name="TextBox 3">
             <a:extLst>
               <a:ext uri="{FF2B5EF4-FFF2-40B4-BE49-F238E27FC236}">
-                <a16:creationId xmlns:a16="http://schemas.microsoft.com/office/drawing/2014/main" id="{2C3BB170-8F3D-1745-5897-598327A27B21}"/>
+                <a16:creationId xmlns:a16="http://schemas.microsoft.com/office/drawing/2014/main" id="{8B2C96C4-DDCC-5115-8FFF-76BCB1FD740B}"/>
               </a:ext>
             </a:extLst>
           </p:cNvPr>
@@ -3511,7 +3521,7 @@
           <a:p>
             <a:pPr algn="ctr"/>
             <a:r>
-              <a:rPr lang="en-GB" sz="4800" dirty="0">
+              <a:rPr lang="en-GB" sz="4800">
                 <a:solidFill>
                   <a:schemeClr val="bg1"/>
                 </a:solidFill>
@@ -3519,6 +3529,12 @@
               </a:rPr>
               <a:t>AI Agents from scratch</a:t>
             </a:r>
+            <a:endParaRPr lang="en-GB" sz="4800" dirty="0">
+              <a:solidFill>
+                <a:schemeClr val="bg1"/>
+              </a:solidFill>
+              <a:latin typeface="Avenir Next LT Pro" panose="020B0504020202020204" pitchFamily="34" charset="0"/>
+            </a:endParaRPr>
           </a:p>
         </p:txBody>
       </p:sp>
@@ -3527,7 +3543,7 @@
           <p:cNvPr id="5" name="TextBox 4">
             <a:extLst>
               <a:ext uri="{FF2B5EF4-FFF2-40B4-BE49-F238E27FC236}">
-                <a16:creationId xmlns:a16="http://schemas.microsoft.com/office/drawing/2014/main" id="{FF345A44-8335-E4DE-A063-5436213A66D9}"/>
+                <a16:creationId xmlns:a16="http://schemas.microsoft.com/office/drawing/2014/main" id="{89F47048-5E46-E0E6-6D72-7D919E58020C}"/>
               </a:ext>
             </a:extLst>
           </p:cNvPr>
@@ -3558,7 +3574,7 @@
                 </a:solidFill>
                 <a:latin typeface="Avenir Next LT Pro" panose="020B0504020202020204" pitchFamily="34" charset="0"/>
               </a:rPr>
-              <a:t>Python and Natural Language working together…</a:t>
+              <a:t>Purpose of this talk</a:t>
             </a:r>
           </a:p>
         </p:txBody>
@@ -3566,7 +3582,7 @@
     </p:spTree>
     <p:extLst>
       <p:ext uri="{BB962C8B-B14F-4D97-AF65-F5344CB8AC3E}">
-        <p14:creationId xmlns:p14="http://schemas.microsoft.com/office/powerpoint/2010/main" val="3497632422"/>
+        <p14:creationId xmlns:p14="http://schemas.microsoft.com/office/powerpoint/2010/main" val="304201824"/>
       </p:ext>
     </p:extLst>
   </p:cSld>
@@ -3577,6 +3593,792 @@
 </file>
 
 <file path=ppt/slides/slide2.xml><?xml version="1.0" encoding="utf-8"?>
+<p:sld xmlns:a="http://schemas.openxmlformats.org/drawingml/2006/main" xmlns:r="http://schemas.openxmlformats.org/officeDocument/2006/relationships" xmlns:p="http://schemas.openxmlformats.org/presentationml/2006/main">
+  <p:cSld>
+    <p:bg>
+      <p:bgPr>
+        <a:solidFill>
+          <a:schemeClr val="tx1">
+            <a:lumMod val="50000"/>
+            <a:lumOff val="50000"/>
+          </a:schemeClr>
+        </a:solidFill>
+        <a:effectLst/>
+      </p:bgPr>
+    </p:bg>
+    <p:spTree>
+      <p:nvGrpSpPr>
+        <p:cNvPr id="1" name="">
+          <a:extLst>
+            <a:ext uri="{FF2B5EF4-FFF2-40B4-BE49-F238E27FC236}">
+              <a16:creationId xmlns:a16="http://schemas.microsoft.com/office/drawing/2014/main" id="{3A7A5C92-7C2C-C831-F0F9-721BABBFFE2C}"/>
+            </a:ext>
+          </a:extLst>
+        </p:cNvPr>
+        <p:cNvGrpSpPr/>
+        <p:nvPr/>
+      </p:nvGrpSpPr>
+      <p:grpSpPr>
+        <a:xfrm>
+          <a:off x="0" y="0"/>
+          <a:ext cx="0" cy="0"/>
+          <a:chOff x="0" y="0"/>
+          <a:chExt cx="0" cy="0"/>
+        </a:xfrm>
+      </p:grpSpPr>
+      <p:sp>
+        <p:nvSpPr>
+          <p:cNvPr id="3" name="Subtitle 2">
+            <a:extLst>
+              <a:ext uri="{FF2B5EF4-FFF2-40B4-BE49-F238E27FC236}">
+                <a16:creationId xmlns:a16="http://schemas.microsoft.com/office/drawing/2014/main" id="{CC59DF46-494E-5B17-DB61-6620DCC4C20D}"/>
+              </a:ext>
+            </a:extLst>
+          </p:cNvPr>
+          <p:cNvSpPr>
+            <a:spLocks noGrp="1"/>
+          </p:cNvSpPr>
+          <p:nvPr>
+            <p:ph type="subTitle" idx="1"/>
+          </p:nvPr>
+        </p:nvSpPr>
+        <p:spPr>
+          <a:xfrm>
+            <a:off x="1518550" y="1757309"/>
+            <a:ext cx="9799875" cy="4563059"/>
+          </a:xfrm>
+        </p:spPr>
+        <p:txBody>
+          <a:bodyPr>
+            <a:normAutofit/>
+          </a:bodyPr>
+          <a:lstStyle/>
+          <a:p>
+            <a:pPr marL="457200" indent="-457200" algn="l">
+              <a:lnSpc>
+                <a:spcPct val="110000"/>
+              </a:lnSpc>
+              <a:buFont typeface="Arial" panose="020B0604020202020204" pitchFamily="34" charset="0"/>
+              <a:buChar char="•"/>
+            </a:pPr>
+            <a:r>
+              <a:rPr lang="en-GB" sz="2800" dirty="0">
+                <a:solidFill>
+                  <a:schemeClr val="bg1"/>
+                </a:solidFill>
+                <a:latin typeface="Avenir Next LT Pro" panose="020B0504020202020204" pitchFamily="34" charset="0"/>
+              </a:rPr>
+              <a:t>Who am I?</a:t>
+            </a:r>
+          </a:p>
+          <a:p>
+            <a:pPr marL="457200" indent="-457200" algn="l">
+              <a:lnSpc>
+                <a:spcPct val="110000"/>
+              </a:lnSpc>
+              <a:buFont typeface="Arial" panose="020B0604020202020204" pitchFamily="34" charset="0"/>
+              <a:buChar char="•"/>
+            </a:pPr>
+            <a:r>
+              <a:rPr lang="en-GB" sz="2800" dirty="0">
+                <a:solidFill>
+                  <a:schemeClr val="bg1"/>
+                </a:solidFill>
+                <a:latin typeface="Avenir Next LT Pro" panose="020B0504020202020204" pitchFamily="34" charset="0"/>
+              </a:rPr>
+              <a:t>One of us…</a:t>
+            </a:r>
+          </a:p>
+          <a:p>
+            <a:pPr marL="457200" indent="-457200" algn="l">
+              <a:lnSpc>
+                <a:spcPct val="110000"/>
+              </a:lnSpc>
+              <a:buFont typeface="Arial" panose="020B0604020202020204" pitchFamily="34" charset="0"/>
+              <a:buChar char="•"/>
+            </a:pPr>
+            <a:r>
+              <a:rPr lang="en-GB" sz="2800" dirty="0">
+                <a:solidFill>
+                  <a:schemeClr val="bg1"/>
+                </a:solidFill>
+                <a:latin typeface="Avenir Next LT Pro" panose="020B0504020202020204" pitchFamily="34" charset="0"/>
+              </a:rPr>
+              <a:t>Craig West</a:t>
+            </a:r>
+          </a:p>
+          <a:p>
+            <a:pPr marL="457200" indent="-457200" algn="l">
+              <a:lnSpc>
+                <a:spcPct val="110000"/>
+              </a:lnSpc>
+              <a:buFont typeface="Arial" panose="020B0604020202020204" pitchFamily="34" charset="0"/>
+              <a:buChar char="•"/>
+            </a:pPr>
+            <a:r>
+              <a:rPr lang="en-GB" sz="2800" dirty="0">
+                <a:solidFill>
+                  <a:schemeClr val="bg1"/>
+                </a:solidFill>
+                <a:latin typeface="Avenir Next LT Pro" panose="020B0504020202020204" pitchFamily="34" charset="0"/>
+              </a:rPr>
+              <a:t>Brighton based AI Developer</a:t>
+            </a:r>
+          </a:p>
+          <a:p>
+            <a:pPr marL="457200" indent="-457200" algn="l">
+              <a:lnSpc>
+                <a:spcPct val="110000"/>
+              </a:lnSpc>
+              <a:buFont typeface="Arial" panose="020B0604020202020204" pitchFamily="34" charset="0"/>
+              <a:buChar char="•"/>
+            </a:pPr>
+            <a:r>
+              <a:rPr lang="en-GB" sz="2800" dirty="0">
+                <a:solidFill>
+                  <a:schemeClr val="bg1"/>
+                </a:solidFill>
+                <a:latin typeface="Avenir Next LT Pro" panose="020B0504020202020204" pitchFamily="34" charset="0"/>
+              </a:rPr>
+              <a:t>All slides and code available at:</a:t>
+            </a:r>
+          </a:p>
+          <a:p>
+            <a:pPr marL="457200" indent="-457200" algn="l">
+              <a:lnSpc>
+                <a:spcPct val="110000"/>
+              </a:lnSpc>
+              <a:buFont typeface="Arial" panose="020B0604020202020204" pitchFamily="34" charset="0"/>
+              <a:buChar char="•"/>
+            </a:pPr>
+            <a:r>
+              <a:rPr lang="en-GB" sz="2800" dirty="0">
+                <a:solidFill>
+                  <a:schemeClr val="bg1"/>
+                </a:solidFill>
+                <a:latin typeface="Avenir Next LT Pro" panose="020B0504020202020204" pitchFamily="34" charset="0"/>
+              </a:rPr>
+              <a:t>https://pytest-cookbook.com/</a:t>
+            </a:r>
+          </a:p>
+        </p:txBody>
+      </p:sp>
+      <p:sp>
+        <p:nvSpPr>
+          <p:cNvPr id="4" name="TextBox 3">
+            <a:extLst>
+              <a:ext uri="{FF2B5EF4-FFF2-40B4-BE49-F238E27FC236}">
+                <a16:creationId xmlns:a16="http://schemas.microsoft.com/office/drawing/2014/main" id="{3C8B3A28-EF72-BFC6-9F89-636488390B92}"/>
+              </a:ext>
+            </a:extLst>
+          </p:cNvPr>
+          <p:cNvSpPr txBox="1"/>
+          <p:nvPr/>
+        </p:nvSpPr>
+        <p:spPr>
+          <a:xfrm>
+            <a:off x="1854847" y="95316"/>
+            <a:ext cx="9275064" cy="830997"/>
+          </a:xfrm>
+          <a:prstGeom prst="rect">
+            <a:avLst/>
+          </a:prstGeom>
+          <a:noFill/>
+        </p:spPr>
+        <p:txBody>
+          <a:bodyPr wrap="square" rtlCol="0">
+            <a:spAutoFit/>
+          </a:bodyPr>
+          <a:lstStyle/>
+          <a:p>
+            <a:pPr algn="ctr"/>
+            <a:r>
+              <a:rPr lang="en-GB" sz="4800" dirty="0">
+                <a:solidFill>
+                  <a:schemeClr val="bg1"/>
+                </a:solidFill>
+                <a:latin typeface="Avenir Next LT Pro" panose="020B0504020202020204" pitchFamily="34" charset="0"/>
+              </a:rPr>
+              <a:t>AI Agents from scratch</a:t>
+            </a:r>
+          </a:p>
+        </p:txBody>
+      </p:sp>
+      <p:sp>
+        <p:nvSpPr>
+          <p:cNvPr id="5" name="TextBox 4">
+            <a:extLst>
+              <a:ext uri="{FF2B5EF4-FFF2-40B4-BE49-F238E27FC236}">
+                <a16:creationId xmlns:a16="http://schemas.microsoft.com/office/drawing/2014/main" id="{60C41A02-A1CD-3855-E829-3D0A5A9B672E}"/>
+              </a:ext>
+            </a:extLst>
+          </p:cNvPr>
+          <p:cNvSpPr txBox="1"/>
+          <p:nvPr/>
+        </p:nvSpPr>
+        <p:spPr>
+          <a:xfrm>
+            <a:off x="2131984" y="926313"/>
+            <a:ext cx="8720790" cy="523220"/>
+          </a:xfrm>
+          <a:prstGeom prst="rect">
+            <a:avLst/>
+          </a:prstGeom>
+          <a:noFill/>
+        </p:spPr>
+        <p:txBody>
+          <a:bodyPr wrap="square" rtlCol="0">
+            <a:spAutoFit/>
+          </a:bodyPr>
+          <a:lstStyle/>
+          <a:p>
+            <a:pPr algn="ctr"/>
+            <a:r>
+              <a:rPr lang="en-GB" sz="2800" dirty="0">
+                <a:solidFill>
+                  <a:schemeClr val="bg1"/>
+                </a:solidFill>
+                <a:latin typeface="Avenir Next LT Pro" panose="020B0504020202020204" pitchFamily="34" charset="0"/>
+              </a:rPr>
+              <a:t>Python and Natural Language working together…</a:t>
+            </a:r>
+          </a:p>
+        </p:txBody>
+      </p:sp>
+    </p:spTree>
+    <p:extLst>
+      <p:ext uri="{BB962C8B-B14F-4D97-AF65-F5344CB8AC3E}">
+        <p14:creationId xmlns:p14="http://schemas.microsoft.com/office/powerpoint/2010/main" val="2407986834"/>
+      </p:ext>
+    </p:extLst>
+  </p:cSld>
+  <p:clrMapOvr>
+    <a:masterClrMapping/>
+  </p:clrMapOvr>
+</p:sld>
+</file>
+
+<file path=ppt/slides/slide3.xml><?xml version="1.0" encoding="utf-8"?>
+<p:sld xmlns:a="http://schemas.openxmlformats.org/drawingml/2006/main" xmlns:r="http://schemas.openxmlformats.org/officeDocument/2006/relationships" xmlns:p="http://schemas.openxmlformats.org/presentationml/2006/main">
+  <p:cSld>
+    <p:bg>
+      <p:bgPr>
+        <a:solidFill>
+          <a:schemeClr val="tx1">
+            <a:lumMod val="50000"/>
+            <a:lumOff val="50000"/>
+          </a:schemeClr>
+        </a:solidFill>
+        <a:effectLst/>
+      </p:bgPr>
+    </p:bg>
+    <p:spTree>
+      <p:nvGrpSpPr>
+        <p:cNvPr id="1" name="">
+          <a:extLst>
+            <a:ext uri="{FF2B5EF4-FFF2-40B4-BE49-F238E27FC236}">
+              <a16:creationId xmlns:a16="http://schemas.microsoft.com/office/drawing/2014/main" id="{B5E60990-1C90-AD09-E4DA-10B53AF626F4}"/>
+            </a:ext>
+          </a:extLst>
+        </p:cNvPr>
+        <p:cNvGrpSpPr/>
+        <p:nvPr/>
+      </p:nvGrpSpPr>
+      <p:grpSpPr>
+        <a:xfrm>
+          <a:off x="0" y="0"/>
+          <a:ext cx="0" cy="0"/>
+          <a:chOff x="0" y="0"/>
+          <a:chExt cx="0" cy="0"/>
+        </a:xfrm>
+      </p:grpSpPr>
+      <p:sp>
+        <p:nvSpPr>
+          <p:cNvPr id="3" name="Subtitle 2">
+            <a:extLst>
+              <a:ext uri="{FF2B5EF4-FFF2-40B4-BE49-F238E27FC236}">
+                <a16:creationId xmlns:a16="http://schemas.microsoft.com/office/drawing/2014/main" id="{118293C7-9BE2-1A51-4D7B-556379B6966D}"/>
+              </a:ext>
+            </a:extLst>
+          </p:cNvPr>
+          <p:cNvSpPr>
+            <a:spLocks noGrp="1"/>
+          </p:cNvSpPr>
+          <p:nvPr>
+            <p:ph type="subTitle" idx="1"/>
+          </p:nvPr>
+        </p:nvSpPr>
+        <p:spPr>
+          <a:xfrm>
+            <a:off x="1518550" y="1757309"/>
+            <a:ext cx="9799875" cy="4563059"/>
+          </a:xfrm>
+        </p:spPr>
+        <p:txBody>
+          <a:bodyPr>
+            <a:normAutofit/>
+          </a:bodyPr>
+          <a:lstStyle/>
+          <a:p>
+            <a:pPr marL="457200" indent="-457200" algn="l">
+              <a:lnSpc>
+                <a:spcPct val="110000"/>
+              </a:lnSpc>
+              <a:buFont typeface="Arial" panose="020B0604020202020204" pitchFamily="34" charset="0"/>
+              <a:buChar char="•"/>
+            </a:pPr>
+            <a:r>
+              <a:rPr lang="en-GB" sz="2800" dirty="0" err="1">
+                <a:solidFill>
+                  <a:schemeClr val="bg1"/>
+                </a:solidFill>
+                <a:latin typeface="Avenir Next LT Pro" panose="020B0504020202020204" pitchFamily="34" charset="0"/>
+              </a:rPr>
+              <a:t>Codebar</a:t>
+            </a:r>
+            <a:endParaRPr lang="en-GB" sz="2800" dirty="0">
+              <a:solidFill>
+                <a:schemeClr val="bg1"/>
+              </a:solidFill>
+              <a:latin typeface="Avenir Next LT Pro" panose="020B0504020202020204" pitchFamily="34" charset="0"/>
+            </a:endParaRPr>
+          </a:p>
+          <a:p>
+            <a:pPr marL="457200" indent="-457200" algn="l">
+              <a:lnSpc>
+                <a:spcPct val="110000"/>
+              </a:lnSpc>
+              <a:buFont typeface="Arial" panose="020B0604020202020204" pitchFamily="34" charset="0"/>
+              <a:buChar char="•"/>
+            </a:pPr>
+            <a:r>
+              <a:rPr lang="en-GB" sz="2800" dirty="0">
+                <a:solidFill>
+                  <a:schemeClr val="bg1"/>
+                </a:solidFill>
+                <a:latin typeface="Avenir Next LT Pro" panose="020B0504020202020204" pitchFamily="34" charset="0"/>
+              </a:rPr>
+              <a:t>Leo</a:t>
+            </a:r>
+          </a:p>
+          <a:p>
+            <a:pPr marL="457200" indent="-457200" algn="l">
+              <a:lnSpc>
+                <a:spcPct val="110000"/>
+              </a:lnSpc>
+              <a:buFont typeface="Arial" panose="020B0604020202020204" pitchFamily="34" charset="0"/>
+              <a:buChar char="•"/>
+            </a:pPr>
+            <a:r>
+              <a:rPr lang="en-GB" sz="2800" dirty="0">
+                <a:solidFill>
+                  <a:schemeClr val="bg1"/>
+                </a:solidFill>
+                <a:latin typeface="Avenir Next LT Pro" panose="020B0504020202020204" pitchFamily="34" charset="0"/>
+              </a:rPr>
+              <a:t>https://pytest-cookbook.com/</a:t>
+            </a:r>
+          </a:p>
+          <a:p>
+            <a:pPr marL="457200" indent="-457200" algn="l">
+              <a:lnSpc>
+                <a:spcPct val="110000"/>
+              </a:lnSpc>
+              <a:buFont typeface="Arial" panose="020B0604020202020204" pitchFamily="34" charset="0"/>
+              <a:buChar char="•"/>
+            </a:pPr>
+            <a:r>
+              <a:rPr lang="en-GB" sz="2800" dirty="0">
+                <a:solidFill>
+                  <a:schemeClr val="bg1"/>
+                </a:solidFill>
+                <a:latin typeface="Avenir Next LT Pro" panose="020B0504020202020204" pitchFamily="34" charset="0"/>
+              </a:rPr>
+              <a:t>https://ai-powered-knowledge-systems.netlify.app/</a:t>
+            </a:r>
+          </a:p>
+          <a:p>
+            <a:pPr marL="457200" indent="-457200" algn="l">
+              <a:lnSpc>
+                <a:spcPct val="110000"/>
+              </a:lnSpc>
+              <a:buFont typeface="Arial" panose="020B0604020202020204" pitchFamily="34" charset="0"/>
+              <a:buChar char="•"/>
+            </a:pPr>
+            <a:r>
+              <a:rPr lang="en-GB" sz="2800" dirty="0">
+                <a:solidFill>
+                  <a:schemeClr val="bg1"/>
+                </a:solidFill>
+                <a:latin typeface="Avenir Next LT Pro" panose="020B0504020202020204" pitchFamily="34" charset="0"/>
+              </a:rPr>
+              <a:t>Links to repo on these sites</a:t>
+            </a:r>
+          </a:p>
+        </p:txBody>
+      </p:sp>
+      <p:sp>
+        <p:nvSpPr>
+          <p:cNvPr id="4" name="TextBox 3">
+            <a:extLst>
+              <a:ext uri="{FF2B5EF4-FFF2-40B4-BE49-F238E27FC236}">
+                <a16:creationId xmlns:a16="http://schemas.microsoft.com/office/drawing/2014/main" id="{A9D7BBB7-FF9D-3BC5-B872-2F373ED9C811}"/>
+              </a:ext>
+            </a:extLst>
+          </p:cNvPr>
+          <p:cNvSpPr txBox="1"/>
+          <p:nvPr/>
+        </p:nvSpPr>
+        <p:spPr>
+          <a:xfrm>
+            <a:off x="1854847" y="95316"/>
+            <a:ext cx="9275064" cy="830997"/>
+          </a:xfrm>
+          <a:prstGeom prst="rect">
+            <a:avLst/>
+          </a:prstGeom>
+          <a:noFill/>
+        </p:spPr>
+        <p:txBody>
+          <a:bodyPr wrap="square" rtlCol="0">
+            <a:spAutoFit/>
+          </a:bodyPr>
+          <a:lstStyle/>
+          <a:p>
+            <a:pPr algn="ctr"/>
+            <a:r>
+              <a:rPr lang="en-GB" sz="4800" dirty="0">
+                <a:solidFill>
+                  <a:schemeClr val="bg1"/>
+                </a:solidFill>
+                <a:latin typeface="Avenir Next LT Pro" panose="020B0504020202020204" pitchFamily="34" charset="0"/>
+              </a:rPr>
+              <a:t>AI Agents from scratch</a:t>
+            </a:r>
+          </a:p>
+        </p:txBody>
+      </p:sp>
+      <p:sp>
+        <p:nvSpPr>
+          <p:cNvPr id="5" name="TextBox 4">
+            <a:extLst>
+              <a:ext uri="{FF2B5EF4-FFF2-40B4-BE49-F238E27FC236}">
+                <a16:creationId xmlns:a16="http://schemas.microsoft.com/office/drawing/2014/main" id="{394D6753-53E2-2FEF-43BB-A4B993558D55}"/>
+              </a:ext>
+            </a:extLst>
+          </p:cNvPr>
+          <p:cNvSpPr txBox="1"/>
+          <p:nvPr/>
+        </p:nvSpPr>
+        <p:spPr>
+          <a:xfrm>
+            <a:off x="2131984" y="926313"/>
+            <a:ext cx="8720790" cy="523220"/>
+          </a:xfrm>
+          <a:prstGeom prst="rect">
+            <a:avLst/>
+          </a:prstGeom>
+          <a:noFill/>
+        </p:spPr>
+        <p:txBody>
+          <a:bodyPr wrap="square" rtlCol="0">
+            <a:spAutoFit/>
+          </a:bodyPr>
+          <a:lstStyle/>
+          <a:p>
+            <a:pPr algn="ctr"/>
+            <a:r>
+              <a:rPr lang="en-GB" sz="2800" dirty="0">
+                <a:solidFill>
+                  <a:schemeClr val="bg1"/>
+                </a:solidFill>
+                <a:latin typeface="Avenir Next LT Pro" panose="020B0504020202020204" pitchFamily="34" charset="0"/>
+              </a:rPr>
+              <a:t>Python and Natural Language working together…</a:t>
+            </a:r>
+          </a:p>
+        </p:txBody>
+      </p:sp>
+    </p:spTree>
+    <p:extLst>
+      <p:ext uri="{BB962C8B-B14F-4D97-AF65-F5344CB8AC3E}">
+        <p14:creationId xmlns:p14="http://schemas.microsoft.com/office/powerpoint/2010/main" val="1907223244"/>
+      </p:ext>
+    </p:extLst>
+  </p:cSld>
+  <p:clrMapOvr>
+    <a:masterClrMapping/>
+  </p:clrMapOvr>
+</p:sld>
+</file>
+
+<file path=ppt/slides/slide4.xml><?xml version="1.0" encoding="utf-8"?>
+<p:sld xmlns:a="http://schemas.openxmlformats.org/drawingml/2006/main" xmlns:r="http://schemas.openxmlformats.org/officeDocument/2006/relationships" xmlns:p="http://schemas.openxmlformats.org/presentationml/2006/main">
+  <p:cSld>
+    <p:bg>
+      <p:bgPr>
+        <a:solidFill>
+          <a:schemeClr val="tx1">
+            <a:lumMod val="50000"/>
+            <a:lumOff val="50000"/>
+          </a:schemeClr>
+        </a:solidFill>
+        <a:effectLst/>
+      </p:bgPr>
+    </p:bg>
+    <p:spTree>
+      <p:nvGrpSpPr>
+        <p:cNvPr id="1" name="">
+          <a:extLst>
+            <a:ext uri="{FF2B5EF4-FFF2-40B4-BE49-F238E27FC236}">
+              <a16:creationId xmlns:a16="http://schemas.microsoft.com/office/drawing/2014/main" id="{6A1EA89A-3222-2011-9DF3-194413161FE4}"/>
+            </a:ext>
+          </a:extLst>
+        </p:cNvPr>
+        <p:cNvGrpSpPr/>
+        <p:nvPr/>
+      </p:nvGrpSpPr>
+      <p:grpSpPr>
+        <a:xfrm>
+          <a:off x="0" y="0"/>
+          <a:ext cx="0" cy="0"/>
+          <a:chOff x="0" y="0"/>
+          <a:chExt cx="0" cy="0"/>
+        </a:xfrm>
+      </p:grpSpPr>
+      <p:sp>
+        <p:nvSpPr>
+          <p:cNvPr id="3" name="Subtitle 2">
+            <a:extLst>
+              <a:ext uri="{FF2B5EF4-FFF2-40B4-BE49-F238E27FC236}">
+                <a16:creationId xmlns:a16="http://schemas.microsoft.com/office/drawing/2014/main" id="{95E4FD5A-090C-7794-DD8D-4B8CC7761661}"/>
+              </a:ext>
+            </a:extLst>
+          </p:cNvPr>
+          <p:cNvSpPr>
+            <a:spLocks noGrp="1"/>
+          </p:cNvSpPr>
+          <p:nvPr>
+            <p:ph type="subTitle" idx="1"/>
+          </p:nvPr>
+        </p:nvSpPr>
+        <p:spPr>
+          <a:xfrm>
+            <a:off x="1518550" y="1757309"/>
+            <a:ext cx="9799875" cy="4563059"/>
+          </a:xfrm>
+        </p:spPr>
+        <p:txBody>
+          <a:bodyPr>
+            <a:normAutofit/>
+          </a:bodyPr>
+          <a:lstStyle/>
+          <a:p>
+            <a:pPr marL="457200" indent="-457200" algn="l">
+              <a:lnSpc>
+                <a:spcPct val="110000"/>
+              </a:lnSpc>
+              <a:buFont typeface="Arial" panose="020B0604020202020204" pitchFamily="34" charset="0"/>
+              <a:buChar char="•"/>
+            </a:pPr>
+            <a:r>
+              <a:rPr lang="en-GB" sz="2800" dirty="0">
+                <a:solidFill>
+                  <a:schemeClr val="bg1"/>
+                </a:solidFill>
+                <a:latin typeface="Avenir Next LT Pro" panose="020B0504020202020204" pitchFamily="34" charset="0"/>
+              </a:rPr>
+              <a:t>Who am I?</a:t>
+            </a:r>
+          </a:p>
+          <a:p>
+            <a:pPr marL="457200" indent="-457200" algn="l">
+              <a:lnSpc>
+                <a:spcPct val="110000"/>
+              </a:lnSpc>
+              <a:buFont typeface="Arial" panose="020B0604020202020204" pitchFamily="34" charset="0"/>
+              <a:buChar char="•"/>
+            </a:pPr>
+            <a:r>
+              <a:rPr lang="en-GB" sz="2800" dirty="0">
+                <a:solidFill>
+                  <a:schemeClr val="bg1"/>
+                </a:solidFill>
+                <a:latin typeface="Avenir Next LT Pro" panose="020B0504020202020204" pitchFamily="34" charset="0"/>
+              </a:rPr>
+              <a:t>One of us…</a:t>
+            </a:r>
+          </a:p>
+          <a:p>
+            <a:pPr marL="457200" indent="-457200" algn="l">
+              <a:lnSpc>
+                <a:spcPct val="110000"/>
+              </a:lnSpc>
+              <a:buFont typeface="Arial" panose="020B0604020202020204" pitchFamily="34" charset="0"/>
+              <a:buChar char="•"/>
+            </a:pPr>
+            <a:r>
+              <a:rPr lang="en-GB" sz="2800" dirty="0">
+                <a:solidFill>
+                  <a:schemeClr val="bg1"/>
+                </a:solidFill>
+                <a:latin typeface="Avenir Next LT Pro" panose="020B0504020202020204" pitchFamily="34" charset="0"/>
+              </a:rPr>
+              <a:t>Craig West</a:t>
+            </a:r>
+          </a:p>
+          <a:p>
+            <a:pPr marL="457200" indent="-457200" algn="l">
+              <a:lnSpc>
+                <a:spcPct val="110000"/>
+              </a:lnSpc>
+              <a:buFont typeface="Arial" panose="020B0604020202020204" pitchFamily="34" charset="0"/>
+              <a:buChar char="•"/>
+            </a:pPr>
+            <a:r>
+              <a:rPr lang="en-GB" sz="2800" dirty="0">
+                <a:solidFill>
+                  <a:schemeClr val="bg1"/>
+                </a:solidFill>
+                <a:latin typeface="Avenir Next LT Pro" panose="020B0504020202020204" pitchFamily="34" charset="0"/>
+              </a:rPr>
+              <a:t>Brighton based AI Developer</a:t>
+            </a:r>
+          </a:p>
+          <a:p>
+            <a:pPr marL="457200" indent="-457200" algn="l">
+              <a:lnSpc>
+                <a:spcPct val="110000"/>
+              </a:lnSpc>
+              <a:buFont typeface="Arial" panose="020B0604020202020204" pitchFamily="34" charset="0"/>
+              <a:buChar char="•"/>
+            </a:pPr>
+            <a:r>
+              <a:rPr lang="en-GB" sz="2800" dirty="0">
+                <a:solidFill>
+                  <a:schemeClr val="bg1"/>
+                </a:solidFill>
+                <a:latin typeface="Avenir Next LT Pro" panose="020B0504020202020204" pitchFamily="34" charset="0"/>
+              </a:rPr>
+              <a:t>All slides and code available at:</a:t>
+            </a:r>
+          </a:p>
+          <a:p>
+            <a:pPr marL="457200" indent="-457200" algn="l">
+              <a:lnSpc>
+                <a:spcPct val="110000"/>
+              </a:lnSpc>
+              <a:buFont typeface="Arial" panose="020B0604020202020204" pitchFamily="34" charset="0"/>
+              <a:buChar char="•"/>
+            </a:pPr>
+            <a:r>
+              <a:rPr lang="en-GB" sz="2800" dirty="0">
+                <a:solidFill>
+                  <a:schemeClr val="bg1"/>
+                </a:solidFill>
+                <a:latin typeface="Avenir Next LT Pro" panose="020B0504020202020204" pitchFamily="34" charset="0"/>
+              </a:rPr>
+              <a:t>https://pytest-cookbook.com/</a:t>
+            </a:r>
+          </a:p>
+        </p:txBody>
+      </p:sp>
+      <p:sp>
+        <p:nvSpPr>
+          <p:cNvPr id="4" name="TextBox 3">
+            <a:extLst>
+              <a:ext uri="{FF2B5EF4-FFF2-40B4-BE49-F238E27FC236}">
+                <a16:creationId xmlns:a16="http://schemas.microsoft.com/office/drawing/2014/main" id="{77F46F7D-96BF-BF5D-0F11-D2FC0CD98BB8}"/>
+              </a:ext>
+            </a:extLst>
+          </p:cNvPr>
+          <p:cNvSpPr txBox="1"/>
+          <p:nvPr/>
+        </p:nvSpPr>
+        <p:spPr>
+          <a:xfrm>
+            <a:off x="1854847" y="95316"/>
+            <a:ext cx="9275064" cy="830997"/>
+          </a:xfrm>
+          <a:prstGeom prst="rect">
+            <a:avLst/>
+          </a:prstGeom>
+          <a:noFill/>
+        </p:spPr>
+        <p:txBody>
+          <a:bodyPr wrap="square" rtlCol="0">
+            <a:spAutoFit/>
+          </a:bodyPr>
+          <a:lstStyle/>
+          <a:p>
+            <a:pPr algn="ctr"/>
+            <a:r>
+              <a:rPr lang="en-GB" sz="4800" dirty="0">
+                <a:solidFill>
+                  <a:schemeClr val="bg1"/>
+                </a:solidFill>
+                <a:latin typeface="Avenir Next LT Pro" panose="020B0504020202020204" pitchFamily="34" charset="0"/>
+              </a:rPr>
+              <a:t>AI Agents from scratch</a:t>
+            </a:r>
+          </a:p>
+        </p:txBody>
+      </p:sp>
+      <p:sp>
+        <p:nvSpPr>
+          <p:cNvPr id="5" name="TextBox 4">
+            <a:extLst>
+              <a:ext uri="{FF2B5EF4-FFF2-40B4-BE49-F238E27FC236}">
+                <a16:creationId xmlns:a16="http://schemas.microsoft.com/office/drawing/2014/main" id="{C2FB2982-0A23-1472-1327-61AEA9FF617D}"/>
+              </a:ext>
+            </a:extLst>
+          </p:cNvPr>
+          <p:cNvSpPr txBox="1"/>
+          <p:nvPr/>
+        </p:nvSpPr>
+        <p:spPr>
+          <a:xfrm>
+            <a:off x="2131984" y="926313"/>
+            <a:ext cx="8720790" cy="523220"/>
+          </a:xfrm>
+          <a:prstGeom prst="rect">
+            <a:avLst/>
+          </a:prstGeom>
+          <a:noFill/>
+        </p:spPr>
+        <p:txBody>
+          <a:bodyPr wrap="square" rtlCol="0">
+            <a:spAutoFit/>
+          </a:bodyPr>
+          <a:lstStyle/>
+          <a:p>
+            <a:pPr algn="ctr"/>
+            <a:r>
+              <a:rPr lang="en-GB" sz="2800" dirty="0">
+                <a:solidFill>
+                  <a:schemeClr val="bg1"/>
+                </a:solidFill>
+                <a:latin typeface="Avenir Next LT Pro" panose="020B0504020202020204" pitchFamily="34" charset="0"/>
+              </a:rPr>
+              <a:t>Python and Natural Language working together…</a:t>
+            </a:r>
+          </a:p>
+        </p:txBody>
+      </p:sp>
+    </p:spTree>
+    <p:extLst>
+      <p:ext uri="{BB962C8B-B14F-4D97-AF65-F5344CB8AC3E}">
+        <p14:creationId xmlns:p14="http://schemas.microsoft.com/office/powerpoint/2010/main" val="3753248600"/>
+      </p:ext>
+    </p:extLst>
+  </p:cSld>
+  <p:clrMapOvr>
+    <a:masterClrMapping/>
+  </p:clrMapOvr>
+</p:sld>
+</file>
+
+<file path=ppt/slides/slide5.xml><?xml version="1.0" encoding="utf-8"?>
 <p:sld xmlns:a="http://schemas.openxmlformats.org/drawingml/2006/main" xmlns:r="http://schemas.openxmlformats.org/officeDocument/2006/relationships" xmlns:p="http://schemas.openxmlformats.org/presentationml/2006/main">
   <p:cSld>
     <p:bg>
@@ -3791,6 +4593,842 @@
     <p:extLst>
       <p:ext uri="{BB962C8B-B14F-4D97-AF65-F5344CB8AC3E}">
         <p14:creationId xmlns:p14="http://schemas.microsoft.com/office/powerpoint/2010/main" val="2110334313"/>
+      </p:ext>
+    </p:extLst>
+  </p:cSld>
+  <p:clrMapOvr>
+    <a:masterClrMapping/>
+  </p:clrMapOvr>
+</p:sld>
+</file>
+
+<file path=ppt/slides/slide6.xml><?xml version="1.0" encoding="utf-8"?>
+<p:sld xmlns:a="http://schemas.openxmlformats.org/drawingml/2006/main" xmlns:r="http://schemas.openxmlformats.org/officeDocument/2006/relationships" xmlns:p="http://schemas.openxmlformats.org/presentationml/2006/main">
+  <p:cSld>
+    <p:bg>
+      <p:bgPr>
+        <a:solidFill>
+          <a:schemeClr val="tx1">
+            <a:lumMod val="50000"/>
+            <a:lumOff val="50000"/>
+          </a:schemeClr>
+        </a:solidFill>
+        <a:effectLst/>
+      </p:bgPr>
+    </p:bg>
+    <p:spTree>
+      <p:nvGrpSpPr>
+        <p:cNvPr id="1" name="">
+          <a:extLst>
+            <a:ext uri="{FF2B5EF4-FFF2-40B4-BE49-F238E27FC236}">
+              <a16:creationId xmlns:a16="http://schemas.microsoft.com/office/drawing/2014/main" id="{9B559F76-3358-860F-9FCE-61C6CD57AF64}"/>
+            </a:ext>
+          </a:extLst>
+        </p:cNvPr>
+        <p:cNvGrpSpPr/>
+        <p:nvPr/>
+      </p:nvGrpSpPr>
+      <p:grpSpPr>
+        <a:xfrm>
+          <a:off x="0" y="0"/>
+          <a:ext cx="0" cy="0"/>
+          <a:chOff x="0" y="0"/>
+          <a:chExt cx="0" cy="0"/>
+        </a:xfrm>
+      </p:grpSpPr>
+      <p:sp>
+        <p:nvSpPr>
+          <p:cNvPr id="3" name="Subtitle 2">
+            <a:extLst>
+              <a:ext uri="{FF2B5EF4-FFF2-40B4-BE49-F238E27FC236}">
+                <a16:creationId xmlns:a16="http://schemas.microsoft.com/office/drawing/2014/main" id="{4665EE0F-DD9D-E2AB-77CA-3455CF93CA42}"/>
+              </a:ext>
+            </a:extLst>
+          </p:cNvPr>
+          <p:cNvSpPr>
+            <a:spLocks noGrp="1"/>
+          </p:cNvSpPr>
+          <p:nvPr>
+            <p:ph type="subTitle" idx="1"/>
+          </p:nvPr>
+        </p:nvSpPr>
+        <p:spPr>
+          <a:xfrm>
+            <a:off x="1518550" y="1757309"/>
+            <a:ext cx="9799875" cy="4563059"/>
+          </a:xfrm>
+        </p:spPr>
+        <p:txBody>
+          <a:bodyPr>
+            <a:normAutofit/>
+          </a:bodyPr>
+          <a:lstStyle/>
+          <a:p>
+            <a:pPr marL="457200" indent="-457200" algn="l">
+              <a:lnSpc>
+                <a:spcPct val="110000"/>
+              </a:lnSpc>
+              <a:buFont typeface="Arial" panose="020B0604020202020204" pitchFamily="34" charset="0"/>
+              <a:buChar char="•"/>
+            </a:pPr>
+            <a:r>
+              <a:rPr lang="en-GB" sz="2800" dirty="0">
+                <a:solidFill>
+                  <a:schemeClr val="bg1"/>
+                </a:solidFill>
+                <a:latin typeface="Avenir Next LT Pro" panose="020B0504020202020204" pitchFamily="34" charset="0"/>
+              </a:rPr>
+              <a:t>https://aiagentsdirectory.com/</a:t>
+            </a:r>
+          </a:p>
+        </p:txBody>
+      </p:sp>
+      <p:sp>
+        <p:nvSpPr>
+          <p:cNvPr id="4" name="TextBox 3">
+            <a:extLst>
+              <a:ext uri="{FF2B5EF4-FFF2-40B4-BE49-F238E27FC236}">
+                <a16:creationId xmlns:a16="http://schemas.microsoft.com/office/drawing/2014/main" id="{A85DED53-0F48-6A39-DB1E-0486CA010234}"/>
+              </a:ext>
+            </a:extLst>
+          </p:cNvPr>
+          <p:cNvSpPr txBox="1"/>
+          <p:nvPr/>
+        </p:nvSpPr>
+        <p:spPr>
+          <a:xfrm>
+            <a:off x="1854847" y="95316"/>
+            <a:ext cx="9275064" cy="830997"/>
+          </a:xfrm>
+          <a:prstGeom prst="rect">
+            <a:avLst/>
+          </a:prstGeom>
+          <a:noFill/>
+        </p:spPr>
+        <p:txBody>
+          <a:bodyPr wrap="square" rtlCol="0">
+            <a:spAutoFit/>
+          </a:bodyPr>
+          <a:lstStyle/>
+          <a:p>
+            <a:pPr algn="ctr"/>
+            <a:r>
+              <a:rPr lang="en-GB" sz="4800">
+                <a:solidFill>
+                  <a:schemeClr val="bg1"/>
+                </a:solidFill>
+                <a:latin typeface="Avenir Next LT Pro" panose="020B0504020202020204" pitchFamily="34" charset="0"/>
+              </a:rPr>
+              <a:t>AI Agents from scratch</a:t>
+            </a:r>
+            <a:endParaRPr lang="en-GB" sz="4800" dirty="0">
+              <a:solidFill>
+                <a:schemeClr val="bg1"/>
+              </a:solidFill>
+              <a:latin typeface="Avenir Next LT Pro" panose="020B0504020202020204" pitchFamily="34" charset="0"/>
+            </a:endParaRPr>
+          </a:p>
+        </p:txBody>
+      </p:sp>
+      <p:sp>
+        <p:nvSpPr>
+          <p:cNvPr id="5" name="TextBox 4">
+            <a:extLst>
+              <a:ext uri="{FF2B5EF4-FFF2-40B4-BE49-F238E27FC236}">
+                <a16:creationId xmlns:a16="http://schemas.microsoft.com/office/drawing/2014/main" id="{43752FBC-FF49-71FC-3571-50D86E55FEE6}"/>
+              </a:ext>
+            </a:extLst>
+          </p:cNvPr>
+          <p:cNvSpPr txBox="1"/>
+          <p:nvPr/>
+        </p:nvSpPr>
+        <p:spPr>
+          <a:xfrm>
+            <a:off x="2131984" y="926313"/>
+            <a:ext cx="8720790" cy="523220"/>
+          </a:xfrm>
+          <a:prstGeom prst="rect">
+            <a:avLst/>
+          </a:prstGeom>
+          <a:noFill/>
+        </p:spPr>
+        <p:txBody>
+          <a:bodyPr wrap="square" rtlCol="0">
+            <a:spAutoFit/>
+          </a:bodyPr>
+          <a:lstStyle/>
+          <a:p>
+            <a:pPr algn="ctr"/>
+            <a:r>
+              <a:rPr lang="en-GB" sz="2800" dirty="0">
+                <a:solidFill>
+                  <a:schemeClr val="bg1"/>
+                </a:solidFill>
+                <a:latin typeface="Avenir Next LT Pro" panose="020B0504020202020204" pitchFamily="34" charset="0"/>
+              </a:rPr>
+              <a:t>Proliferation of agent frameworks</a:t>
+            </a:r>
+          </a:p>
+        </p:txBody>
+      </p:sp>
+    </p:spTree>
+    <p:extLst>
+      <p:ext uri="{BB962C8B-B14F-4D97-AF65-F5344CB8AC3E}">
+        <p14:creationId xmlns:p14="http://schemas.microsoft.com/office/powerpoint/2010/main" val="329038657"/>
+      </p:ext>
+    </p:extLst>
+  </p:cSld>
+  <p:clrMapOvr>
+    <a:masterClrMapping/>
+  </p:clrMapOvr>
+</p:sld>
+</file>
+
+<file path=ppt/slides/slide7.xml><?xml version="1.0" encoding="utf-8"?>
+<p:sld xmlns:a="http://schemas.openxmlformats.org/drawingml/2006/main" xmlns:r="http://schemas.openxmlformats.org/officeDocument/2006/relationships" xmlns:p="http://schemas.openxmlformats.org/presentationml/2006/main">
+  <p:cSld>
+    <p:bg>
+      <p:bgPr>
+        <a:solidFill>
+          <a:schemeClr val="tx1">
+            <a:lumMod val="50000"/>
+            <a:lumOff val="50000"/>
+          </a:schemeClr>
+        </a:solidFill>
+        <a:effectLst/>
+      </p:bgPr>
+    </p:bg>
+    <p:spTree>
+      <p:nvGrpSpPr>
+        <p:cNvPr id="1" name="">
+          <a:extLst>
+            <a:ext uri="{FF2B5EF4-FFF2-40B4-BE49-F238E27FC236}">
+              <a16:creationId xmlns:a16="http://schemas.microsoft.com/office/drawing/2014/main" id="{91E2F0EC-3AF1-19DA-9510-CBDB032FDDA9}"/>
+            </a:ext>
+          </a:extLst>
+        </p:cNvPr>
+        <p:cNvGrpSpPr/>
+        <p:nvPr/>
+      </p:nvGrpSpPr>
+      <p:grpSpPr>
+        <a:xfrm>
+          <a:off x="0" y="0"/>
+          <a:ext cx="0" cy="0"/>
+          <a:chOff x="0" y="0"/>
+          <a:chExt cx="0" cy="0"/>
+        </a:xfrm>
+      </p:grpSpPr>
+      <p:sp>
+        <p:nvSpPr>
+          <p:cNvPr id="3" name="Subtitle 2">
+            <a:extLst>
+              <a:ext uri="{FF2B5EF4-FFF2-40B4-BE49-F238E27FC236}">
+                <a16:creationId xmlns:a16="http://schemas.microsoft.com/office/drawing/2014/main" id="{C5E29B3D-C57B-FA32-D258-90DCECF37A7C}"/>
+              </a:ext>
+            </a:extLst>
+          </p:cNvPr>
+          <p:cNvSpPr>
+            <a:spLocks noGrp="1"/>
+          </p:cNvSpPr>
+          <p:nvPr>
+            <p:ph type="subTitle" idx="1"/>
+          </p:nvPr>
+        </p:nvSpPr>
+        <p:spPr>
+          <a:xfrm>
+            <a:off x="1518550" y="1757309"/>
+            <a:ext cx="9799875" cy="4563059"/>
+          </a:xfrm>
+        </p:spPr>
+        <p:txBody>
+          <a:bodyPr>
+            <a:normAutofit/>
+          </a:bodyPr>
+          <a:lstStyle/>
+          <a:p>
+            <a:pPr marL="457200" indent="-457200" algn="l">
+              <a:lnSpc>
+                <a:spcPct val="110000"/>
+              </a:lnSpc>
+              <a:buFont typeface="Arial" panose="020B0604020202020204" pitchFamily="34" charset="0"/>
+              <a:buChar char="•"/>
+            </a:pPr>
+            <a:r>
+              <a:rPr lang="en-GB" sz="2800" dirty="0">
+                <a:solidFill>
+                  <a:schemeClr val="bg1"/>
+                </a:solidFill>
+                <a:latin typeface="Avenir Next LT Pro" panose="020B0504020202020204" pitchFamily="34" charset="0"/>
+              </a:rPr>
+              <a:t>Autonomy</a:t>
+            </a:r>
+          </a:p>
+          <a:p>
+            <a:pPr marL="457200" indent="-457200" algn="l">
+              <a:lnSpc>
+                <a:spcPct val="110000"/>
+              </a:lnSpc>
+              <a:buFont typeface="Arial" panose="020B0604020202020204" pitchFamily="34" charset="0"/>
+              <a:buChar char="•"/>
+            </a:pPr>
+            <a:r>
+              <a:rPr lang="en-GB" sz="2800" dirty="0">
+                <a:solidFill>
+                  <a:schemeClr val="bg1"/>
+                </a:solidFill>
+                <a:latin typeface="Avenir Next LT Pro" panose="020B0504020202020204" pitchFamily="34" charset="0"/>
+              </a:rPr>
+              <a:t>Client side endpoints</a:t>
+            </a:r>
+          </a:p>
+          <a:p>
+            <a:pPr marL="457200" indent="-457200" algn="l">
+              <a:lnSpc>
+                <a:spcPct val="110000"/>
+              </a:lnSpc>
+              <a:buFont typeface="Arial" panose="020B0604020202020204" pitchFamily="34" charset="0"/>
+              <a:buChar char="•"/>
+            </a:pPr>
+            <a:r>
+              <a:rPr lang="en-GB" sz="2800" dirty="0">
+                <a:solidFill>
+                  <a:schemeClr val="bg1"/>
+                </a:solidFill>
+                <a:latin typeface="Avenir Next LT Pro" panose="020B0504020202020204" pitchFamily="34" charset="0"/>
+              </a:rPr>
+              <a:t>Natural Language</a:t>
+            </a:r>
+          </a:p>
+        </p:txBody>
+      </p:sp>
+      <p:sp>
+        <p:nvSpPr>
+          <p:cNvPr id="4" name="TextBox 3">
+            <a:extLst>
+              <a:ext uri="{FF2B5EF4-FFF2-40B4-BE49-F238E27FC236}">
+                <a16:creationId xmlns:a16="http://schemas.microsoft.com/office/drawing/2014/main" id="{0EBD94EF-7921-6034-349B-BEAF5B33CB91}"/>
+              </a:ext>
+            </a:extLst>
+          </p:cNvPr>
+          <p:cNvSpPr txBox="1"/>
+          <p:nvPr/>
+        </p:nvSpPr>
+        <p:spPr>
+          <a:xfrm>
+            <a:off x="1854847" y="95316"/>
+            <a:ext cx="9275064" cy="830997"/>
+          </a:xfrm>
+          <a:prstGeom prst="rect">
+            <a:avLst/>
+          </a:prstGeom>
+          <a:noFill/>
+        </p:spPr>
+        <p:txBody>
+          <a:bodyPr wrap="square" rtlCol="0">
+            <a:spAutoFit/>
+          </a:bodyPr>
+          <a:lstStyle/>
+          <a:p>
+            <a:pPr algn="ctr"/>
+            <a:r>
+              <a:rPr lang="en-GB" sz="4800">
+                <a:solidFill>
+                  <a:schemeClr val="bg1"/>
+                </a:solidFill>
+                <a:latin typeface="Avenir Next LT Pro" panose="020B0504020202020204" pitchFamily="34" charset="0"/>
+              </a:rPr>
+              <a:t>AI Agents from scratch</a:t>
+            </a:r>
+            <a:endParaRPr lang="en-GB" sz="4800" dirty="0">
+              <a:solidFill>
+                <a:schemeClr val="bg1"/>
+              </a:solidFill>
+              <a:latin typeface="Avenir Next LT Pro" panose="020B0504020202020204" pitchFamily="34" charset="0"/>
+            </a:endParaRPr>
+          </a:p>
+        </p:txBody>
+      </p:sp>
+      <p:sp>
+        <p:nvSpPr>
+          <p:cNvPr id="5" name="TextBox 4">
+            <a:extLst>
+              <a:ext uri="{FF2B5EF4-FFF2-40B4-BE49-F238E27FC236}">
+                <a16:creationId xmlns:a16="http://schemas.microsoft.com/office/drawing/2014/main" id="{95B967FE-49CA-D6C2-DBF7-B0F4F55FC30C}"/>
+              </a:ext>
+            </a:extLst>
+          </p:cNvPr>
+          <p:cNvSpPr txBox="1"/>
+          <p:nvPr/>
+        </p:nvSpPr>
+        <p:spPr>
+          <a:xfrm>
+            <a:off x="2131984" y="926313"/>
+            <a:ext cx="8720790" cy="523220"/>
+          </a:xfrm>
+          <a:prstGeom prst="rect">
+            <a:avLst/>
+          </a:prstGeom>
+          <a:noFill/>
+        </p:spPr>
+        <p:txBody>
+          <a:bodyPr wrap="square" rtlCol="0">
+            <a:spAutoFit/>
+          </a:bodyPr>
+          <a:lstStyle/>
+          <a:p>
+            <a:pPr algn="ctr"/>
+            <a:r>
+              <a:rPr lang="en-GB" sz="2800" dirty="0">
+                <a:solidFill>
+                  <a:schemeClr val="bg1"/>
+                </a:solidFill>
+                <a:latin typeface="Avenir Next LT Pro" panose="020B0504020202020204" pitchFamily="34" charset="0"/>
+              </a:rPr>
+              <a:t>Upside down mouse</a:t>
+            </a:r>
+          </a:p>
+        </p:txBody>
+      </p:sp>
+    </p:spTree>
+    <p:extLst>
+      <p:ext uri="{BB962C8B-B14F-4D97-AF65-F5344CB8AC3E}">
+        <p14:creationId xmlns:p14="http://schemas.microsoft.com/office/powerpoint/2010/main" val="1287529239"/>
+      </p:ext>
+    </p:extLst>
+  </p:cSld>
+  <p:clrMapOvr>
+    <a:masterClrMapping/>
+  </p:clrMapOvr>
+</p:sld>
+</file>
+
+<file path=ppt/slides/slide8.xml><?xml version="1.0" encoding="utf-8"?>
+<p:sld xmlns:a="http://schemas.openxmlformats.org/drawingml/2006/main" xmlns:r="http://schemas.openxmlformats.org/officeDocument/2006/relationships" xmlns:p="http://schemas.openxmlformats.org/presentationml/2006/main">
+  <p:cSld>
+    <p:bg>
+      <p:bgPr>
+        <a:solidFill>
+          <a:schemeClr val="tx1">
+            <a:lumMod val="50000"/>
+            <a:lumOff val="50000"/>
+          </a:schemeClr>
+        </a:solidFill>
+        <a:effectLst/>
+      </p:bgPr>
+    </p:bg>
+    <p:spTree>
+      <p:nvGrpSpPr>
+        <p:cNvPr id="1" name="">
+          <a:extLst>
+            <a:ext uri="{FF2B5EF4-FFF2-40B4-BE49-F238E27FC236}">
+              <a16:creationId xmlns:a16="http://schemas.microsoft.com/office/drawing/2014/main" id="{0557807F-428C-918D-C272-7539BBE3D309}"/>
+            </a:ext>
+          </a:extLst>
+        </p:cNvPr>
+        <p:cNvGrpSpPr/>
+        <p:nvPr/>
+      </p:nvGrpSpPr>
+      <p:grpSpPr>
+        <a:xfrm>
+          <a:off x="0" y="0"/>
+          <a:ext cx="0" cy="0"/>
+          <a:chOff x="0" y="0"/>
+          <a:chExt cx="0" cy="0"/>
+        </a:xfrm>
+      </p:grpSpPr>
+      <p:sp>
+        <p:nvSpPr>
+          <p:cNvPr id="3" name="Subtitle 2">
+            <a:extLst>
+              <a:ext uri="{FF2B5EF4-FFF2-40B4-BE49-F238E27FC236}">
+                <a16:creationId xmlns:a16="http://schemas.microsoft.com/office/drawing/2014/main" id="{C9CCC1BA-46DB-7599-8F19-E7B5A081567C}"/>
+              </a:ext>
+            </a:extLst>
+          </p:cNvPr>
+          <p:cNvSpPr>
+            <a:spLocks noGrp="1"/>
+          </p:cNvSpPr>
+          <p:nvPr>
+            <p:ph type="subTitle" idx="1"/>
+          </p:nvPr>
+        </p:nvSpPr>
+        <p:spPr>
+          <a:xfrm>
+            <a:off x="1518550" y="1757309"/>
+            <a:ext cx="9799875" cy="4563059"/>
+          </a:xfrm>
+        </p:spPr>
+        <p:txBody>
+          <a:bodyPr>
+            <a:normAutofit/>
+          </a:bodyPr>
+          <a:lstStyle/>
+          <a:p>
+            <a:pPr marL="457200" indent="-457200" algn="l">
+              <a:lnSpc>
+                <a:spcPct val="110000"/>
+              </a:lnSpc>
+              <a:buFont typeface="Arial" panose="020B0604020202020204" pitchFamily="34" charset="0"/>
+              <a:buChar char="•"/>
+            </a:pPr>
+            <a:r>
+              <a:rPr lang="en-GB" sz="2800" dirty="0">
+                <a:solidFill>
+                  <a:schemeClr val="bg1"/>
+                </a:solidFill>
+                <a:latin typeface="Avenir Next LT Pro" panose="020B0504020202020204" pitchFamily="34" charset="0"/>
+              </a:rPr>
+              <a:t>Autonomy</a:t>
+            </a:r>
+          </a:p>
+          <a:p>
+            <a:pPr marL="457200" indent="-457200" algn="l">
+              <a:lnSpc>
+                <a:spcPct val="110000"/>
+              </a:lnSpc>
+              <a:buFont typeface="Arial" panose="020B0604020202020204" pitchFamily="34" charset="0"/>
+              <a:buChar char="•"/>
+            </a:pPr>
+            <a:r>
+              <a:rPr lang="en-GB" sz="2800" dirty="0">
+                <a:solidFill>
+                  <a:schemeClr val="bg1"/>
+                </a:solidFill>
+                <a:latin typeface="Avenir Next LT Pro" panose="020B0504020202020204" pitchFamily="34" charset="0"/>
+              </a:rPr>
+              <a:t>Client side endpoints</a:t>
+            </a:r>
+          </a:p>
+          <a:p>
+            <a:pPr marL="457200" indent="-457200" algn="l">
+              <a:lnSpc>
+                <a:spcPct val="110000"/>
+              </a:lnSpc>
+              <a:buFont typeface="Arial" panose="020B0604020202020204" pitchFamily="34" charset="0"/>
+              <a:buChar char="•"/>
+            </a:pPr>
+            <a:r>
+              <a:rPr lang="en-GB" sz="2800" dirty="0">
+                <a:solidFill>
+                  <a:schemeClr val="bg1"/>
+                </a:solidFill>
+                <a:latin typeface="Avenir Next LT Pro" panose="020B0504020202020204" pitchFamily="34" charset="0"/>
+              </a:rPr>
+              <a:t>Natural Language</a:t>
+            </a:r>
+          </a:p>
+        </p:txBody>
+      </p:sp>
+      <p:sp>
+        <p:nvSpPr>
+          <p:cNvPr id="4" name="TextBox 3">
+            <a:extLst>
+              <a:ext uri="{FF2B5EF4-FFF2-40B4-BE49-F238E27FC236}">
+                <a16:creationId xmlns:a16="http://schemas.microsoft.com/office/drawing/2014/main" id="{13E4B0A1-DEC2-C62D-CB93-0B554C0DA4AC}"/>
+              </a:ext>
+            </a:extLst>
+          </p:cNvPr>
+          <p:cNvSpPr txBox="1"/>
+          <p:nvPr/>
+        </p:nvSpPr>
+        <p:spPr>
+          <a:xfrm>
+            <a:off x="1854847" y="95316"/>
+            <a:ext cx="9275064" cy="830997"/>
+          </a:xfrm>
+          <a:prstGeom prst="rect">
+            <a:avLst/>
+          </a:prstGeom>
+          <a:noFill/>
+        </p:spPr>
+        <p:txBody>
+          <a:bodyPr wrap="square" rtlCol="0">
+            <a:spAutoFit/>
+          </a:bodyPr>
+          <a:lstStyle/>
+          <a:p>
+            <a:pPr algn="ctr"/>
+            <a:r>
+              <a:rPr lang="en-GB" sz="4800">
+                <a:solidFill>
+                  <a:schemeClr val="bg1"/>
+                </a:solidFill>
+                <a:latin typeface="Avenir Next LT Pro" panose="020B0504020202020204" pitchFamily="34" charset="0"/>
+              </a:rPr>
+              <a:t>AI Agents from scratch</a:t>
+            </a:r>
+            <a:endParaRPr lang="en-GB" sz="4800" dirty="0">
+              <a:solidFill>
+                <a:schemeClr val="bg1"/>
+              </a:solidFill>
+              <a:latin typeface="Avenir Next LT Pro" panose="020B0504020202020204" pitchFamily="34" charset="0"/>
+            </a:endParaRPr>
+          </a:p>
+        </p:txBody>
+      </p:sp>
+      <p:sp>
+        <p:nvSpPr>
+          <p:cNvPr id="5" name="TextBox 4">
+            <a:extLst>
+              <a:ext uri="{FF2B5EF4-FFF2-40B4-BE49-F238E27FC236}">
+                <a16:creationId xmlns:a16="http://schemas.microsoft.com/office/drawing/2014/main" id="{11528AA5-174F-DD29-5D8A-30454F3A551A}"/>
+              </a:ext>
+            </a:extLst>
+          </p:cNvPr>
+          <p:cNvSpPr txBox="1"/>
+          <p:nvPr/>
+        </p:nvSpPr>
+        <p:spPr>
+          <a:xfrm>
+            <a:off x="2131984" y="926313"/>
+            <a:ext cx="8720790" cy="523220"/>
+          </a:xfrm>
+          <a:prstGeom prst="rect">
+            <a:avLst/>
+          </a:prstGeom>
+          <a:noFill/>
+        </p:spPr>
+        <p:txBody>
+          <a:bodyPr wrap="square" rtlCol="0">
+            <a:spAutoFit/>
+          </a:bodyPr>
+          <a:lstStyle/>
+          <a:p>
+            <a:pPr algn="ctr"/>
+            <a:r>
+              <a:rPr lang="en-GB" sz="2800" dirty="0">
+                <a:solidFill>
+                  <a:schemeClr val="bg1"/>
+                </a:solidFill>
+                <a:latin typeface="Avenir Next LT Pro" panose="020B0504020202020204" pitchFamily="34" charset="0"/>
+              </a:rPr>
+              <a:t>Code time…</a:t>
+            </a:r>
+          </a:p>
+        </p:txBody>
+      </p:sp>
+    </p:spTree>
+    <p:extLst>
+      <p:ext uri="{BB962C8B-B14F-4D97-AF65-F5344CB8AC3E}">
+        <p14:creationId xmlns:p14="http://schemas.microsoft.com/office/powerpoint/2010/main" val="1693861418"/>
+      </p:ext>
+    </p:extLst>
+  </p:cSld>
+  <p:clrMapOvr>
+    <a:masterClrMapping/>
+  </p:clrMapOvr>
+</p:sld>
+</file>
+
+<file path=ppt/slides/slide9.xml><?xml version="1.0" encoding="utf-8"?>
+<p:sld xmlns:a="http://schemas.openxmlformats.org/drawingml/2006/main" xmlns:r="http://schemas.openxmlformats.org/officeDocument/2006/relationships" xmlns:p="http://schemas.openxmlformats.org/presentationml/2006/main">
+  <p:cSld>
+    <p:bg>
+      <p:bgPr>
+        <a:solidFill>
+          <a:schemeClr val="tx1">
+            <a:lumMod val="50000"/>
+            <a:lumOff val="50000"/>
+          </a:schemeClr>
+        </a:solidFill>
+        <a:effectLst/>
+      </p:bgPr>
+    </p:bg>
+    <p:spTree>
+      <p:nvGrpSpPr>
+        <p:cNvPr id="1" name="">
+          <a:extLst>
+            <a:ext uri="{FF2B5EF4-FFF2-40B4-BE49-F238E27FC236}">
+              <a16:creationId xmlns:a16="http://schemas.microsoft.com/office/drawing/2014/main" id="{B44219D4-3795-D31D-B671-A9B8FC681D21}"/>
+            </a:ext>
+          </a:extLst>
+        </p:cNvPr>
+        <p:cNvGrpSpPr/>
+        <p:nvPr/>
+      </p:nvGrpSpPr>
+      <p:grpSpPr>
+        <a:xfrm>
+          <a:off x="0" y="0"/>
+          <a:ext cx="0" cy="0"/>
+          <a:chOff x="0" y="0"/>
+          <a:chExt cx="0" cy="0"/>
+        </a:xfrm>
+      </p:grpSpPr>
+      <p:sp>
+        <p:nvSpPr>
+          <p:cNvPr id="3" name="Subtitle 2">
+            <a:extLst>
+              <a:ext uri="{FF2B5EF4-FFF2-40B4-BE49-F238E27FC236}">
+                <a16:creationId xmlns:a16="http://schemas.microsoft.com/office/drawing/2014/main" id="{AFA8B0F5-02DD-F67B-AAE8-D86DFFF3FB4A}"/>
+              </a:ext>
+            </a:extLst>
+          </p:cNvPr>
+          <p:cNvSpPr>
+            <a:spLocks noGrp="1"/>
+          </p:cNvSpPr>
+          <p:nvPr>
+            <p:ph type="subTitle" idx="1"/>
+          </p:nvPr>
+        </p:nvSpPr>
+        <p:spPr>
+          <a:xfrm>
+            <a:off x="1518550" y="1757309"/>
+            <a:ext cx="9799875" cy="4563059"/>
+          </a:xfrm>
+        </p:spPr>
+        <p:txBody>
+          <a:bodyPr>
+            <a:normAutofit/>
+          </a:bodyPr>
+          <a:lstStyle/>
+          <a:p>
+            <a:pPr marL="457200" indent="-457200" algn="l">
+              <a:lnSpc>
+                <a:spcPct val="110000"/>
+              </a:lnSpc>
+              <a:buFont typeface="Arial" panose="020B0604020202020204" pitchFamily="34" charset="0"/>
+              <a:buChar char="•"/>
+            </a:pPr>
+            <a:r>
+              <a:rPr lang="en-GB" sz="2800" dirty="0">
+                <a:solidFill>
+                  <a:schemeClr val="bg1"/>
+                </a:solidFill>
+                <a:latin typeface="Avenir Next LT Pro" panose="020B0504020202020204" pitchFamily="34" charset="0"/>
+              </a:rPr>
+              <a:t>Autonomy</a:t>
+            </a:r>
+          </a:p>
+          <a:p>
+            <a:pPr marL="457200" indent="-457200" algn="l">
+              <a:lnSpc>
+                <a:spcPct val="110000"/>
+              </a:lnSpc>
+              <a:buFont typeface="Arial" panose="020B0604020202020204" pitchFamily="34" charset="0"/>
+              <a:buChar char="•"/>
+            </a:pPr>
+            <a:r>
+              <a:rPr lang="en-GB" sz="2800" dirty="0">
+                <a:solidFill>
+                  <a:schemeClr val="bg1"/>
+                </a:solidFill>
+                <a:latin typeface="Avenir Next LT Pro" panose="020B0504020202020204" pitchFamily="34" charset="0"/>
+              </a:rPr>
+              <a:t>Client side endpoints</a:t>
+            </a:r>
+          </a:p>
+          <a:p>
+            <a:pPr marL="457200" indent="-457200" algn="l">
+              <a:lnSpc>
+                <a:spcPct val="110000"/>
+              </a:lnSpc>
+              <a:buFont typeface="Arial" panose="020B0604020202020204" pitchFamily="34" charset="0"/>
+              <a:buChar char="•"/>
+            </a:pPr>
+            <a:r>
+              <a:rPr lang="en-GB" sz="2800" dirty="0">
+                <a:solidFill>
+                  <a:schemeClr val="bg1"/>
+                </a:solidFill>
+                <a:latin typeface="Avenir Next LT Pro" panose="020B0504020202020204" pitchFamily="34" charset="0"/>
+              </a:rPr>
+              <a:t>Natural Language</a:t>
+            </a:r>
+          </a:p>
+        </p:txBody>
+      </p:sp>
+      <p:sp>
+        <p:nvSpPr>
+          <p:cNvPr id="4" name="TextBox 3">
+            <a:extLst>
+              <a:ext uri="{FF2B5EF4-FFF2-40B4-BE49-F238E27FC236}">
+                <a16:creationId xmlns:a16="http://schemas.microsoft.com/office/drawing/2014/main" id="{EF0E46C4-7D2D-88EB-FE53-166659B88367}"/>
+              </a:ext>
+            </a:extLst>
+          </p:cNvPr>
+          <p:cNvSpPr txBox="1"/>
+          <p:nvPr/>
+        </p:nvSpPr>
+        <p:spPr>
+          <a:xfrm>
+            <a:off x="1854847" y="95316"/>
+            <a:ext cx="9275064" cy="830997"/>
+          </a:xfrm>
+          <a:prstGeom prst="rect">
+            <a:avLst/>
+          </a:prstGeom>
+          <a:noFill/>
+        </p:spPr>
+        <p:txBody>
+          <a:bodyPr wrap="square" rtlCol="0">
+            <a:spAutoFit/>
+          </a:bodyPr>
+          <a:lstStyle/>
+          <a:p>
+            <a:pPr algn="ctr"/>
+            <a:r>
+              <a:rPr lang="en-GB" sz="4800">
+                <a:solidFill>
+                  <a:schemeClr val="bg1"/>
+                </a:solidFill>
+                <a:latin typeface="Avenir Next LT Pro" panose="020B0504020202020204" pitchFamily="34" charset="0"/>
+              </a:rPr>
+              <a:t>AI Agents from scratch</a:t>
+            </a:r>
+            <a:endParaRPr lang="en-GB" sz="4800" dirty="0">
+              <a:solidFill>
+                <a:schemeClr val="bg1"/>
+              </a:solidFill>
+              <a:latin typeface="Avenir Next LT Pro" panose="020B0504020202020204" pitchFamily="34" charset="0"/>
+            </a:endParaRPr>
+          </a:p>
+        </p:txBody>
+      </p:sp>
+      <p:sp>
+        <p:nvSpPr>
+          <p:cNvPr id="5" name="TextBox 4">
+            <a:extLst>
+              <a:ext uri="{FF2B5EF4-FFF2-40B4-BE49-F238E27FC236}">
+                <a16:creationId xmlns:a16="http://schemas.microsoft.com/office/drawing/2014/main" id="{D7A8582F-4AC0-F9DB-2200-26281E28A71E}"/>
+              </a:ext>
+            </a:extLst>
+          </p:cNvPr>
+          <p:cNvSpPr txBox="1"/>
+          <p:nvPr/>
+        </p:nvSpPr>
+        <p:spPr>
+          <a:xfrm>
+            <a:off x="2131984" y="926313"/>
+            <a:ext cx="8720790" cy="523220"/>
+          </a:xfrm>
+          <a:prstGeom prst="rect">
+            <a:avLst/>
+          </a:prstGeom>
+          <a:noFill/>
+        </p:spPr>
+        <p:txBody>
+          <a:bodyPr wrap="square" rtlCol="0">
+            <a:spAutoFit/>
+          </a:bodyPr>
+          <a:lstStyle/>
+          <a:p>
+            <a:pPr algn="ctr"/>
+            <a:r>
+              <a:rPr lang="en-GB" sz="2800" dirty="0">
+                <a:solidFill>
+                  <a:schemeClr val="bg1"/>
+                </a:solidFill>
+                <a:latin typeface="Avenir Next LT Pro" panose="020B0504020202020204" pitchFamily="34" charset="0"/>
+              </a:rPr>
+              <a:t>Summary </a:t>
+            </a:r>
+          </a:p>
+        </p:txBody>
+      </p:sp>
+    </p:spTree>
+    <p:extLst>
+      <p:ext uri="{BB962C8B-B14F-4D97-AF65-F5344CB8AC3E}">
+        <p14:creationId xmlns:p14="http://schemas.microsoft.com/office/powerpoint/2010/main" val="1916630323"/>
       </p:ext>
     </p:extLst>
   </p:cSld>
